--- a/wiki/spade_demo.pptx
+++ b/wiki/spade_demo.pptx
@@ -296,7 +296,7 @@
           <a:p>
             <a:fld id="{30ED8BCD-214C-C14D-977A-BDE98F76DB0A}" type="datetimeFigureOut">
               <a:rPr lang="en-US" smtClean="0"/>
-              <a:t>8/19/13</a:t>
+              <a:t>8/20/13</a:t>
             </a:fld>
             <a:endParaRPr lang="en-US"/>
           </a:p>
@@ -2728,7 +2728,7 @@
           <a:p>
             <a:fld id="{30ED8BCD-214C-C14D-977A-BDE98F76DB0A}" type="datetimeFigureOut">
               <a:rPr lang="en-US" smtClean="0"/>
-              <a:t>8/19/13</a:t>
+              <a:t>8/20/13</a:t>
             </a:fld>
             <a:endParaRPr lang="en-US"/>
           </a:p>
@@ -3138,10 +3138,24 @@
         </p:nvSpPr>
         <p:spPr/>
         <p:txBody>
-          <a:bodyPr/>
-          <a:lstStyle/>
-          <a:p>
-            <a:endParaRPr lang="en-US" dirty="0" smtClean="0"/>
+          <a:bodyPr>
+            <a:normAutofit/>
+          </a:bodyPr>
+          <a:lstStyle/>
+          <a:p>
+            <a:r>
+              <a:rPr lang="en-US" sz="2400" dirty="0" smtClean="0"/>
+              <a:t>http://data-</a:t>
+            </a:r>
+            <a:r>
+              <a:rPr lang="en-US" sz="2400" dirty="0" err="1" smtClean="0"/>
+              <a:t>provenance.googlecode.com</a:t>
+            </a:r>
+            <a:r>
+              <a:rPr lang="en-US" sz="2400" dirty="0" smtClean="0"/>
+              <a:t>/</a:t>
+            </a:r>
+            <a:endParaRPr lang="en-US" sz="2400" dirty="0" smtClean="0"/>
           </a:p>
         </p:txBody>
       </p:sp>
@@ -3502,10 +3516,21 @@
           <a:p>
             <a:r>
               <a:rPr lang="en-US" dirty="0" smtClean="0"/>
-              <a:t>Extendible, can dynamically load modules for particular needs.</a:t>
-            </a:r>
-          </a:p>
-          <a:p>
+              <a:t>Extendible, can dynamically load modules for particular </a:t>
+            </a:r>
+            <a:r>
+              <a:rPr lang="en-US" dirty="0" smtClean="0"/>
+              <a:t>environments or needs</a:t>
+            </a:r>
+            <a:r>
+              <a:rPr lang="en-US" dirty="0" smtClean="0"/>
+              <a:t>.</a:t>
+            </a:r>
+          </a:p>
+          <a:p>
+            <a:pPr marL="0" indent="0">
+              <a:buNone/>
+            </a:pPr>
             <a:endParaRPr lang="en-US" dirty="0"/>
           </a:p>
         </p:txBody>
@@ -3532,7 +3557,7 @@
         </p:blipFill>
         <p:spPr>
           <a:xfrm>
-            <a:off x="1369489" y="4309459"/>
+            <a:off x="1369489" y="4332139"/>
             <a:ext cx="6405023" cy="1236832"/>
           </a:xfrm>
           <a:prstGeom prst="rect">
@@ -3734,34 +3759,37 @@
           <a:p>
             <a:r>
               <a:rPr lang="en-US" dirty="0" smtClean="0"/>
-              <a:t>Example Graph</a:t>
+              <a:t>Provenance Graph</a:t>
             </a:r>
             <a:endParaRPr lang="en-US" dirty="0"/>
           </a:p>
         </p:txBody>
       </p:sp>
-      <p:sp>
-        <p:nvSpPr>
-          <p:cNvPr id="3" name="Content Placeholder 2"/>
-          <p:cNvSpPr>
-            <a:spLocks noGrp="1"/>
-          </p:cNvSpPr>
+      <p:pic>
+        <p:nvPicPr>
+          <p:cNvPr id="10" name="Content Placeholder 9" descr="Screen Shot 2013-08-20 at 11.19.36 AM.png"/>
+          <p:cNvPicPr>
+            <a:picLocks noGrp="1" noChangeAspect="1"/>
+          </p:cNvPicPr>
           <p:nvPr>
             <p:ph idx="1"/>
           </p:nvPr>
-        </p:nvSpPr>
-        <p:spPr/>
-        <p:txBody>
-          <a:bodyPr/>
-          <a:lstStyle/>
-          <a:p>
-            <a:pPr marL="0" indent="0">
-              <a:buNone/>
-            </a:pPr>
-            <a:endParaRPr lang="en-US" dirty="0"/>
-          </a:p>
-        </p:txBody>
-      </p:sp>
+        </p:nvPicPr>
+        <p:blipFill>
+          <a:blip r:embed="rId2">
+            <a:extLst>
+              <a:ext uri="{28A0092B-C50C-407E-A947-70E740481C1C}">
+                <a14:useLocalDpi xmlns:a14="http://schemas.microsoft.com/office/drawing/2010/main" val="0"/>
+              </a:ext>
+            </a:extLst>
+          </a:blip>
+          <a:srcRect t="1763" b="1763"/>
+          <a:stretch>
+            <a:fillRect/>
+          </a:stretch>
+        </p:blipFill>
+        <p:spPr/>
+      </p:pic>
     </p:spTree>
     <p:extLst>
       <p:ext uri="{BB962C8B-B14F-4D97-AF65-F5344CB8AC3E}">
